--- a/django_ppt/shop_ppt/2장. cart(장바구니).pptx
+++ b/django_ppt/shop_ppt/2장. cart(장바구니).pptx
@@ -5,7 +5,7 @@
     <p:sldMasterId id="2147483648" r:id="rId1"/>
   </p:sldMasterIdLst>
   <p:notesMasterIdLst>
-    <p:notesMasterId r:id="rId15"/>
+    <p:notesMasterId r:id="rId17"/>
   </p:notesMasterIdLst>
   <p:sldIdLst>
     <p:sldId id="256" r:id="rId2"/>
@@ -14,13 +14,15 @@
     <p:sldId id="421" r:id="rId5"/>
     <p:sldId id="438" r:id="rId6"/>
     <p:sldId id="439" r:id="rId7"/>
-    <p:sldId id="424" r:id="rId8"/>
-    <p:sldId id="440" r:id="rId9"/>
-    <p:sldId id="426" r:id="rId10"/>
-    <p:sldId id="427" r:id="rId11"/>
-    <p:sldId id="430" r:id="rId12"/>
-    <p:sldId id="441" r:id="rId13"/>
-    <p:sldId id="442" r:id="rId14"/>
+    <p:sldId id="444" r:id="rId8"/>
+    <p:sldId id="445" r:id="rId9"/>
+    <p:sldId id="424" r:id="rId10"/>
+    <p:sldId id="440" r:id="rId11"/>
+    <p:sldId id="426" r:id="rId12"/>
+    <p:sldId id="427" r:id="rId13"/>
+    <p:sldId id="430" r:id="rId14"/>
+    <p:sldId id="441" r:id="rId15"/>
+    <p:sldId id="442" r:id="rId16"/>
   </p:sldIdLst>
   <p:sldSz cx="9906000" cy="6858000" type="A4"/>
   <p:notesSz cx="6858000" cy="9144000"/>
@@ -220,7 +222,7 @@
           <a:p>
             <a:fld id="{7665CDAC-D627-4E87-877A-1B781DD4CADC}" type="datetimeFigureOut">
               <a:rPr lang="ko-KR" altLang="en-US" smtClean="0"/>
-              <a:t>2023-06-27</a:t>
+              <a:t>2023-06-28</a:t>
             </a:fld>
             <a:endParaRPr lang="ko-KR" altLang="en-US"/>
           </a:p>
@@ -632,7 +634,7 @@
           <a:p>
             <a:fld id="{C25BCFD5-C4DF-4EBC-B718-C69ED2FBDE6F}" type="datetime1">
               <a:rPr lang="ko-KR" altLang="en-US" smtClean="0"/>
-              <a:t>2023-06-27</a:t>
+              <a:t>2023-06-28</a:t>
             </a:fld>
             <a:endParaRPr lang="ko-KR" altLang="en-US"/>
           </a:p>
@@ -1087,7 +1089,7 @@
           <a:p>
             <a:fld id="{AB448CD7-D367-43D5-B461-ACE552E75063}" type="datetime1">
               <a:rPr lang="ko-KR" altLang="en-US" smtClean="0"/>
-              <a:t>2023-06-27</a:t>
+              <a:t>2023-06-28</a:t>
             </a:fld>
             <a:endParaRPr lang="ko-KR" altLang="en-US"/>
           </a:p>
@@ -1265,7 +1267,7 @@
           <a:p>
             <a:fld id="{B6E49E79-7361-4780-8BEF-7EDE3708298A}" type="datetime1">
               <a:rPr lang="ko-KR" altLang="en-US" smtClean="0"/>
-              <a:t>2023-06-27</a:t>
+              <a:t>2023-06-28</a:t>
             </a:fld>
             <a:endParaRPr lang="ko-KR" altLang="en-US"/>
           </a:p>
@@ -1437,7 +1439,7 @@
           <a:p>
             <a:fld id="{A4D42E3C-B70B-437C-85CF-1286301B9CBA}" type="datetime1">
               <a:rPr lang="ko-KR" altLang="en-US" smtClean="0"/>
-              <a:t>2023-06-27</a:t>
+              <a:t>2023-06-28</a:t>
             </a:fld>
             <a:endParaRPr lang="ko-KR" altLang="en-US"/>
           </a:p>
@@ -1689,7 +1691,7 @@
           <a:p>
             <a:fld id="{B3369A20-5B3D-4D98-A822-26B93D177A40}" type="datetime1">
               <a:rPr lang="ko-KR" altLang="en-US" smtClean="0"/>
-              <a:t>2023-06-27</a:t>
+              <a:t>2023-06-28</a:t>
             </a:fld>
             <a:endParaRPr lang="ko-KR" altLang="en-US"/>
           </a:p>
@@ -1974,7 +1976,7 @@
           <a:p>
             <a:fld id="{685CD4CE-9E43-4F70-A9D8-A2130CA7D92A}" type="datetime1">
               <a:rPr lang="ko-KR" altLang="en-US" smtClean="0"/>
-              <a:t>2023-06-27</a:t>
+              <a:t>2023-06-28</a:t>
             </a:fld>
             <a:endParaRPr lang="ko-KR" altLang="en-US"/>
           </a:p>
@@ -2400,7 +2402,7 @@
           <a:p>
             <a:fld id="{F752BD92-DA3E-4A0B-90C9-7DE5E15B6E96}" type="datetime1">
               <a:rPr lang="ko-KR" altLang="en-US" smtClean="0"/>
-              <a:t>2023-06-27</a:t>
+              <a:t>2023-06-28</a:t>
             </a:fld>
             <a:endParaRPr lang="ko-KR" altLang="en-US"/>
           </a:p>
@@ -2524,7 +2526,7 @@
           <a:p>
             <a:fld id="{8EA2B83A-F366-424E-B742-340ACF856BB5}" type="datetime1">
               <a:rPr lang="ko-KR" altLang="en-US" smtClean="0"/>
-              <a:t>2023-06-27</a:t>
+              <a:t>2023-06-28</a:t>
             </a:fld>
             <a:endParaRPr lang="ko-KR" altLang="en-US"/>
           </a:p>
@@ -2619,7 +2621,7 @@
           <a:p>
             <a:fld id="{9A49D68B-5DBD-48E9-A8D4-FCBC4B3DD9C6}" type="datetime1">
               <a:rPr lang="ko-KR" altLang="en-US" smtClean="0"/>
-              <a:t>2023-06-27</a:t>
+              <a:t>2023-06-28</a:t>
             </a:fld>
             <a:endParaRPr lang="ko-KR" altLang="en-US"/>
           </a:p>
@@ -2894,7 +2896,7 @@
           <a:p>
             <a:fld id="{4CAB534F-7D16-467B-9320-91F98915D181}" type="datetime1">
               <a:rPr lang="ko-KR" altLang="en-US" smtClean="0"/>
-              <a:t>2023-06-27</a:t>
+              <a:t>2023-06-28</a:t>
             </a:fld>
             <a:endParaRPr lang="ko-KR" altLang="en-US"/>
           </a:p>
@@ -3146,7 +3148,7 @@
           <a:p>
             <a:fld id="{A390A91F-2F8D-4486-A69D-D680F95444B0}" type="datetime1">
               <a:rPr lang="ko-KR" altLang="en-US" smtClean="0"/>
-              <a:t>2023-06-27</a:t>
+              <a:t>2023-06-28</a:t>
             </a:fld>
             <a:endParaRPr lang="ko-KR" altLang="en-US"/>
           </a:p>
@@ -3325,7 +3327,7 @@
           <a:p>
             <a:fld id="{2238BBEA-E8DD-414A-BF68-FC2AFA7CFF2D}" type="datetime1">
               <a:rPr lang="ko-KR" altLang="en-US" smtClean="0"/>
-              <a:t>2023-06-27</a:t>
+              <a:t>2023-06-28</a:t>
             </a:fld>
             <a:endParaRPr lang="ko-KR" altLang="en-US"/>
           </a:p>
@@ -4346,6 +4348,449 @@
               <a:buChar char="§"/>
             </a:pPr>
             <a:r>
+              <a:rPr lang="en-US" altLang="ko-KR" sz="2000" dirty="0" smtClean="0">
+                <a:latin typeface="휴먼엑스포" panose="02030504000101010101" pitchFamily="18" charset="-127"/>
+                <a:ea typeface="휴먼엑스포" panose="02030504000101010101" pitchFamily="18" charset="-127"/>
+              </a:rPr>
+              <a:t>URL </a:t>
+            </a:r>
+            <a:r>
+              <a:rPr lang="ko-KR" altLang="en-US" sz="2000" dirty="0" smtClean="0">
+                <a:latin typeface="휴먼엑스포" panose="02030504000101010101" pitchFamily="18" charset="-127"/>
+                <a:ea typeface="휴먼엑스포" panose="02030504000101010101" pitchFamily="18" charset="-127"/>
+              </a:rPr>
+              <a:t>연결</a:t>
+            </a:r>
+            <a:endParaRPr lang="en-US" altLang="ko-KR" sz="2000" dirty="0" smtClean="0">
+              <a:latin typeface="휴먼엑스포" panose="02030504000101010101" pitchFamily="18" charset="-127"/>
+              <a:ea typeface="휴먼엑스포" panose="02030504000101010101" pitchFamily="18" charset="-127"/>
+            </a:endParaRPr>
+          </a:p>
+        </p:txBody>
+      </p:sp>
+      <p:sp>
+        <p:nvSpPr>
+          <p:cNvPr id="6" name="TextBox 5"/>
+          <p:cNvSpPr txBox="1"/>
+          <p:nvPr/>
+        </p:nvSpPr>
+        <p:spPr>
+          <a:xfrm>
+            <a:off x="5529064" y="1375214"/>
+            <a:ext cx="1347677" cy="369332"/>
+          </a:xfrm>
+          <a:prstGeom prst="rect">
+            <a:avLst/>
+          </a:prstGeom>
+          <a:noFill/>
+        </p:spPr>
+        <p:txBody>
+          <a:bodyPr wrap="none" rtlCol="0">
+            <a:spAutoFit/>
+          </a:bodyPr>
+          <a:lstStyle/>
+          <a:p>
+            <a:r>
+              <a:rPr lang="en-US" altLang="ko-KR" dirty="0" smtClean="0"/>
+              <a:t>cart/urls.py</a:t>
+            </a:r>
+            <a:endParaRPr lang="ko-KR" altLang="en-US" dirty="0"/>
+          </a:p>
+        </p:txBody>
+      </p:sp>
+      <p:pic>
+        <p:nvPicPr>
+          <p:cNvPr id="7" name="그림 6"/>
+          <p:cNvPicPr>
+            <a:picLocks noChangeAspect="1"/>
+          </p:cNvPicPr>
+          <p:nvPr/>
+        </p:nvPicPr>
+        <p:blipFill>
+          <a:blip r:embed="rId2">
+            <a:extLst>
+              <a:ext uri="{28A0092B-C50C-407E-A947-70E740481C1C}">
+                <a14:useLocalDpi xmlns:a14="http://schemas.microsoft.com/office/drawing/2010/main" val="0"/>
+              </a:ext>
+            </a:extLst>
+          </a:blip>
+          <a:stretch>
+            <a:fillRect/>
+          </a:stretch>
+        </p:blipFill>
+        <p:spPr>
+          <a:xfrm>
+            <a:off x="1424608" y="1988840"/>
+            <a:ext cx="6294665" cy="2705334"/>
+          </a:xfrm>
+          <a:prstGeom prst="rect">
+            <a:avLst/>
+          </a:prstGeom>
+          <a:ln>
+            <a:solidFill>
+              <a:schemeClr val="bg1">
+                <a:lumMod val="85000"/>
+              </a:schemeClr>
+            </a:solidFill>
+          </a:ln>
+        </p:spPr>
+      </p:pic>
+    </p:spTree>
+    <p:extLst>
+      <p:ext uri="{BB962C8B-B14F-4D97-AF65-F5344CB8AC3E}">
+        <p14:creationId xmlns:p14="http://schemas.microsoft.com/office/powerpoint/2010/main" val="2713534555"/>
+      </p:ext>
+    </p:extLst>
+  </p:cSld>
+  <p:clrMapOvr>
+    <a:masterClrMapping/>
+  </p:clrMapOvr>
+  <p:timing>
+    <p:tnLst>
+      <p:par>
+        <p:cTn id="1" dur="indefinite" restart="never" nodeType="tmRoot"/>
+      </p:par>
+    </p:tnLst>
+  </p:timing>
+</p:sld>
+</file>
+
+<file path=ppt/slides/slide11.xml><?xml version="1.0" encoding="utf-8"?>
+<p:sld xmlns:a="http://schemas.openxmlformats.org/drawingml/2006/main" xmlns:r="http://schemas.openxmlformats.org/officeDocument/2006/relationships" xmlns:p="http://schemas.openxmlformats.org/presentationml/2006/main">
+  <p:cSld>
+    <p:spTree>
+      <p:nvGrpSpPr>
+        <p:cNvPr id="1" name=""/>
+        <p:cNvGrpSpPr/>
+        <p:nvPr/>
+      </p:nvGrpSpPr>
+      <p:grpSpPr>
+        <a:xfrm>
+          <a:off x="0" y="0"/>
+          <a:ext cx="0" cy="0"/>
+          <a:chOff x="0" y="0"/>
+          <a:chExt cx="0" cy="0"/>
+        </a:xfrm>
+      </p:grpSpPr>
+      <p:sp>
+        <p:nvSpPr>
+          <p:cNvPr id="2" name="제목 1"/>
+          <p:cNvSpPr>
+            <a:spLocks noGrp="1"/>
+          </p:cNvSpPr>
+          <p:nvPr>
+            <p:ph type="title"/>
+          </p:nvPr>
+        </p:nvSpPr>
+        <p:spPr/>
+        <p:txBody>
+          <a:bodyPr/>
+          <a:lstStyle/>
+          <a:p>
+            <a:pPr marL="342900" indent="-342900">
+              <a:lnSpc>
+                <a:spcPct val="150000"/>
+              </a:lnSpc>
+            </a:pPr>
+            <a:r>
+              <a:rPr lang="en-US" altLang="ko-KR" dirty="0"/>
+              <a:t> cart </a:t>
+            </a:r>
+            <a:r>
+              <a:rPr lang="ko-KR" altLang="en-US" dirty="0" smtClean="0"/>
+              <a:t>앱 만들기</a:t>
+            </a:r>
+            <a:endParaRPr lang="en-US" altLang="ko-KR" dirty="0"/>
+          </a:p>
+        </p:txBody>
+      </p:sp>
+      <p:sp>
+        <p:nvSpPr>
+          <p:cNvPr id="4" name="슬라이드 번호 개체 틀 3"/>
+          <p:cNvSpPr>
+            <a:spLocks noGrp="1"/>
+          </p:cNvSpPr>
+          <p:nvPr>
+            <p:ph type="sldNum" sz="quarter" idx="12"/>
+          </p:nvPr>
+        </p:nvSpPr>
+        <p:spPr/>
+        <p:txBody>
+          <a:bodyPr/>
+          <a:lstStyle/>
+          <a:p>
+            <a:fld id="{1BDE3FE7-3AEA-4B05-AC5A-802D1816ACF0}" type="slidenum">
+              <a:rPr lang="ko-KR" altLang="en-US" smtClean="0"/>
+              <a:t>11</a:t>
+            </a:fld>
+            <a:endParaRPr lang="ko-KR" altLang="en-US"/>
+          </a:p>
+        </p:txBody>
+      </p:sp>
+      <p:sp>
+        <p:nvSpPr>
+          <p:cNvPr id="14" name="TextBox 13"/>
+          <p:cNvSpPr txBox="1"/>
+          <p:nvPr/>
+        </p:nvSpPr>
+        <p:spPr>
+          <a:xfrm>
+            <a:off x="1064568" y="1235368"/>
+            <a:ext cx="6264696" cy="509178"/>
+          </a:xfrm>
+          <a:prstGeom prst="rect">
+            <a:avLst/>
+          </a:prstGeom>
+          <a:ln>
+            <a:noFill/>
+          </a:ln>
+        </p:spPr>
+        <p:style>
+          <a:lnRef idx="2">
+            <a:schemeClr val="dk1"/>
+          </a:lnRef>
+          <a:fillRef idx="1">
+            <a:schemeClr val="lt1"/>
+          </a:fillRef>
+          <a:effectRef idx="0">
+            <a:schemeClr val="dk1"/>
+          </a:effectRef>
+          <a:fontRef idx="minor">
+            <a:schemeClr val="dk1"/>
+          </a:fontRef>
+        </p:style>
+        <p:txBody>
+          <a:bodyPr wrap="square" rtlCol="0">
+            <a:spAutoFit/>
+          </a:bodyPr>
+          <a:lstStyle/>
+          <a:p>
+            <a:pPr marL="342900" indent="-342900">
+              <a:lnSpc>
+                <a:spcPct val="150000"/>
+              </a:lnSpc>
+              <a:buFont typeface="Wingdings" panose="05000000000000000000" pitchFamily="2" charset="2"/>
+              <a:buChar char="§"/>
+            </a:pPr>
+            <a:r>
+              <a:rPr lang="ko-KR" altLang="en-US" sz="2000" dirty="0" smtClean="0">
+                <a:latin typeface="휴먼엑스포" panose="02030504000101010101" pitchFamily="18" charset="-127"/>
+                <a:ea typeface="휴먼엑스포" panose="02030504000101010101" pitchFamily="18" charset="-127"/>
+              </a:rPr>
+              <a:t>뷰 만들기</a:t>
+            </a:r>
+            <a:endParaRPr lang="en-US" altLang="ko-KR" sz="2000" dirty="0" smtClean="0">
+              <a:latin typeface="휴먼엑스포" panose="02030504000101010101" pitchFamily="18" charset="-127"/>
+              <a:ea typeface="휴먼엑스포" panose="02030504000101010101" pitchFamily="18" charset="-127"/>
+            </a:endParaRPr>
+          </a:p>
+        </p:txBody>
+      </p:sp>
+      <p:sp>
+        <p:nvSpPr>
+          <p:cNvPr id="6" name="TextBox 5"/>
+          <p:cNvSpPr txBox="1"/>
+          <p:nvPr/>
+        </p:nvSpPr>
+        <p:spPr>
+          <a:xfrm>
+            <a:off x="5529064" y="1375214"/>
+            <a:ext cx="1538434" cy="369332"/>
+          </a:xfrm>
+          <a:prstGeom prst="rect">
+            <a:avLst/>
+          </a:prstGeom>
+          <a:noFill/>
+        </p:spPr>
+        <p:txBody>
+          <a:bodyPr wrap="none" rtlCol="0">
+            <a:spAutoFit/>
+          </a:bodyPr>
+          <a:lstStyle/>
+          <a:p>
+            <a:r>
+              <a:rPr lang="en-US" altLang="ko-KR" dirty="0" smtClean="0"/>
+              <a:t>cart/views.py</a:t>
+            </a:r>
+            <a:endParaRPr lang="ko-KR" altLang="en-US" dirty="0"/>
+          </a:p>
+        </p:txBody>
+      </p:sp>
+      <p:pic>
+        <p:nvPicPr>
+          <p:cNvPr id="7" name="그림 6"/>
+          <p:cNvPicPr>
+            <a:picLocks noChangeAspect="1"/>
+          </p:cNvPicPr>
+          <p:nvPr/>
+        </p:nvPicPr>
+        <p:blipFill>
+          <a:blip r:embed="rId2">
+            <a:extLst>
+              <a:ext uri="{28A0092B-C50C-407E-A947-70E740481C1C}">
+                <a14:useLocalDpi xmlns:a14="http://schemas.microsoft.com/office/drawing/2010/main" val="0"/>
+              </a:ext>
+            </a:extLst>
+          </a:blip>
+          <a:stretch>
+            <a:fillRect/>
+          </a:stretch>
+        </p:blipFill>
+        <p:spPr>
+          <a:xfrm>
+            <a:off x="1352600" y="1942797"/>
+            <a:ext cx="6911939" cy="4198984"/>
+          </a:xfrm>
+          <a:prstGeom prst="rect">
+            <a:avLst/>
+          </a:prstGeom>
+          <a:ln>
+            <a:solidFill>
+              <a:schemeClr val="bg1">
+                <a:lumMod val="85000"/>
+              </a:schemeClr>
+            </a:solidFill>
+          </a:ln>
+        </p:spPr>
+      </p:pic>
+    </p:spTree>
+    <p:extLst>
+      <p:ext uri="{BB962C8B-B14F-4D97-AF65-F5344CB8AC3E}">
+        <p14:creationId xmlns:p14="http://schemas.microsoft.com/office/powerpoint/2010/main" val="1150977210"/>
+      </p:ext>
+    </p:extLst>
+  </p:cSld>
+  <p:clrMapOvr>
+    <a:masterClrMapping/>
+  </p:clrMapOvr>
+  <p:timing>
+    <p:tnLst>
+      <p:par>
+        <p:cTn id="1" dur="indefinite" restart="never" nodeType="tmRoot"/>
+      </p:par>
+    </p:tnLst>
+  </p:timing>
+</p:sld>
+</file>
+
+<file path=ppt/slides/slide12.xml><?xml version="1.0" encoding="utf-8"?>
+<p:sld xmlns:a="http://schemas.openxmlformats.org/drawingml/2006/main" xmlns:r="http://schemas.openxmlformats.org/officeDocument/2006/relationships" xmlns:p="http://schemas.openxmlformats.org/presentationml/2006/main">
+  <p:cSld>
+    <p:spTree>
+      <p:nvGrpSpPr>
+        <p:cNvPr id="1" name=""/>
+        <p:cNvGrpSpPr/>
+        <p:nvPr/>
+      </p:nvGrpSpPr>
+      <p:grpSpPr>
+        <a:xfrm>
+          <a:off x="0" y="0"/>
+          <a:ext cx="0" cy="0"/>
+          <a:chOff x="0" y="0"/>
+          <a:chExt cx="0" cy="0"/>
+        </a:xfrm>
+      </p:grpSpPr>
+      <p:sp>
+        <p:nvSpPr>
+          <p:cNvPr id="2" name="제목 1"/>
+          <p:cNvSpPr>
+            <a:spLocks noGrp="1"/>
+          </p:cNvSpPr>
+          <p:nvPr>
+            <p:ph type="title"/>
+          </p:nvPr>
+        </p:nvSpPr>
+        <p:spPr/>
+        <p:txBody>
+          <a:bodyPr/>
+          <a:lstStyle/>
+          <a:p>
+            <a:pPr marL="342900" indent="-342900">
+              <a:lnSpc>
+                <a:spcPct val="150000"/>
+              </a:lnSpc>
+            </a:pPr>
+            <a:r>
+              <a:rPr lang="en-US" altLang="ko-KR" dirty="0"/>
+              <a:t> cart </a:t>
+            </a:r>
+            <a:r>
+              <a:rPr lang="ko-KR" altLang="en-US" dirty="0" smtClean="0"/>
+              <a:t>앱 만들기</a:t>
+            </a:r>
+            <a:endParaRPr lang="en-US" altLang="ko-KR" dirty="0"/>
+          </a:p>
+        </p:txBody>
+      </p:sp>
+      <p:sp>
+        <p:nvSpPr>
+          <p:cNvPr id="4" name="슬라이드 번호 개체 틀 3"/>
+          <p:cNvSpPr>
+            <a:spLocks noGrp="1"/>
+          </p:cNvSpPr>
+          <p:nvPr>
+            <p:ph type="sldNum" sz="quarter" idx="12"/>
+          </p:nvPr>
+        </p:nvSpPr>
+        <p:spPr/>
+        <p:txBody>
+          <a:bodyPr/>
+          <a:lstStyle/>
+          <a:p>
+            <a:fld id="{1BDE3FE7-3AEA-4B05-AC5A-802D1816ACF0}" type="slidenum">
+              <a:rPr lang="ko-KR" altLang="en-US" smtClean="0"/>
+              <a:t>12</a:t>
+            </a:fld>
+            <a:endParaRPr lang="ko-KR" altLang="en-US"/>
+          </a:p>
+        </p:txBody>
+      </p:sp>
+      <p:sp>
+        <p:nvSpPr>
+          <p:cNvPr id="14" name="TextBox 13"/>
+          <p:cNvSpPr txBox="1"/>
+          <p:nvPr/>
+        </p:nvSpPr>
+        <p:spPr>
+          <a:xfrm>
+            <a:off x="1064568" y="1235368"/>
+            <a:ext cx="6264696" cy="509178"/>
+          </a:xfrm>
+          <a:prstGeom prst="rect">
+            <a:avLst/>
+          </a:prstGeom>
+          <a:ln>
+            <a:noFill/>
+          </a:ln>
+        </p:spPr>
+        <p:style>
+          <a:lnRef idx="2">
+            <a:schemeClr val="dk1"/>
+          </a:lnRef>
+          <a:fillRef idx="1">
+            <a:schemeClr val="lt1"/>
+          </a:fillRef>
+          <a:effectRef idx="0">
+            <a:schemeClr val="dk1"/>
+          </a:effectRef>
+          <a:fontRef idx="minor">
+            <a:schemeClr val="dk1"/>
+          </a:fontRef>
+        </p:style>
+        <p:txBody>
+          <a:bodyPr wrap="square" rtlCol="0">
+            <a:spAutoFit/>
+          </a:bodyPr>
+          <a:lstStyle/>
+          <a:p>
+            <a:pPr marL="342900" indent="-342900">
+              <a:lnSpc>
+                <a:spcPct val="150000"/>
+              </a:lnSpc>
+              <a:buFont typeface="Wingdings" panose="05000000000000000000" pitchFamily="2" charset="2"/>
+              <a:buChar char="§"/>
+            </a:pPr>
+            <a:r>
               <a:rPr lang="ko-KR" altLang="en-US" sz="2000" dirty="0" smtClean="0">
                 <a:latin typeface="휴먼엑스포" panose="02030504000101010101" pitchFamily="18" charset="-127"/>
                 <a:ea typeface="휴먼엑스포" panose="02030504000101010101" pitchFamily="18" charset="-127"/>
@@ -4446,7 +4891,7 @@
 </p:sld>
 </file>
 
-<file path=ppt/slides/slide11.xml><?xml version="1.0" encoding="utf-8"?>
+<file path=ppt/slides/slide13.xml><?xml version="1.0" encoding="utf-8"?>
 <p:sld xmlns:a="http://schemas.openxmlformats.org/drawingml/2006/main" xmlns:r="http://schemas.openxmlformats.org/officeDocument/2006/relationships" xmlns:p="http://schemas.openxmlformats.org/presentationml/2006/main">
   <p:cSld>
     <p:spTree>
@@ -4512,7 +4957,7 @@
           <a:p>
             <a:fld id="{1BDE3FE7-3AEA-4B05-AC5A-802D1816ACF0}" type="slidenum">
               <a:rPr lang="ko-KR" altLang="en-US" smtClean="0"/>
-              <a:t>11</a:t>
+              <a:t>13</a:t>
             </a:fld>
             <a:endParaRPr lang="ko-KR" altLang="en-US"/>
           </a:p>
@@ -4664,7 +5109,7 @@
 </p:sld>
 </file>
 
-<file path=ppt/slides/slide12.xml><?xml version="1.0" encoding="utf-8"?>
+<file path=ppt/slides/slide14.xml><?xml version="1.0" encoding="utf-8"?>
 <p:sld xmlns:a="http://schemas.openxmlformats.org/drawingml/2006/main" xmlns:r="http://schemas.openxmlformats.org/officeDocument/2006/relationships" xmlns:p="http://schemas.openxmlformats.org/presentationml/2006/main">
   <p:cSld>
     <p:spTree>
@@ -4730,7 +5175,7 @@
           <a:p>
             <a:fld id="{1BDE3FE7-3AEA-4B05-AC5A-802D1816ACF0}" type="slidenum">
               <a:rPr lang="ko-KR" altLang="en-US" smtClean="0"/>
-              <a:t>12</a:t>
+              <a:t>14</a:t>
             </a:fld>
             <a:endParaRPr lang="ko-KR" altLang="en-US"/>
           </a:p>
@@ -4882,7 +5327,7 @@
 </p:sld>
 </file>
 
-<file path=ppt/slides/slide13.xml><?xml version="1.0" encoding="utf-8"?>
+<file path=ppt/slides/slide15.xml><?xml version="1.0" encoding="utf-8"?>
 <p:sld xmlns:a="http://schemas.openxmlformats.org/drawingml/2006/main" xmlns:r="http://schemas.openxmlformats.org/officeDocument/2006/relationships" xmlns:p="http://schemas.openxmlformats.org/presentationml/2006/main">
   <p:cSld>
     <p:spTree>
@@ -4948,7 +5393,7 @@
           <a:p>
             <a:fld id="{1BDE3FE7-3AEA-4B05-AC5A-802D1816ACF0}" type="slidenum">
               <a:rPr lang="ko-KR" altLang="en-US" smtClean="0"/>
-              <a:t>13</a:t>
+              <a:t>15</a:t>
             </a:fld>
             <a:endParaRPr lang="ko-KR" altLang="en-US"/>
           </a:p>
@@ -5143,15 +5588,7 @@
             </a:r>
             <a:r>
               <a:rPr lang="ko-KR" altLang="en-US" dirty="0" smtClean="0"/>
-              <a:t>장바구니</a:t>
-            </a:r>
-            <a:r>
-              <a:rPr lang="ko-KR" altLang="en-US" dirty="0" smtClean="0"/>
-              <a:t> </a:t>
-            </a:r>
-            <a:r>
-              <a:rPr lang="ko-KR" altLang="en-US" dirty="0" smtClean="0"/>
-              <a:t>만들기</a:t>
+              <a:t>장바구니 만들기</a:t>
             </a:r>
             <a:endParaRPr lang="en-US" altLang="ko-KR" dirty="0"/>
           </a:p>
@@ -5598,7 +6035,7 @@
         </p:nvSpPr>
         <p:spPr>
           <a:xfrm>
-            <a:off x="2144688" y="3645024"/>
+            <a:off x="1784648" y="3697578"/>
             <a:ext cx="4464496" cy="2585323"/>
           </a:xfrm>
           <a:prstGeom prst="rect">
@@ -5777,6 +6214,43 @@
           <a:chExt cx="0" cy="0"/>
         </a:xfrm>
       </p:grpSpPr>
+      <p:pic>
+        <p:nvPicPr>
+          <p:cNvPr id="3" name="그림 2"/>
+          <p:cNvPicPr>
+            <a:picLocks noChangeAspect="1"/>
+          </p:cNvPicPr>
+          <p:nvPr/>
+        </p:nvPicPr>
+        <p:blipFill>
+          <a:blip r:embed="rId2">
+            <a:extLst>
+              <a:ext uri="{28A0092B-C50C-407E-A947-70E740481C1C}">
+                <a14:useLocalDpi xmlns:a14="http://schemas.microsoft.com/office/drawing/2010/main" val="0"/>
+              </a:ext>
+            </a:extLst>
+          </a:blip>
+          <a:stretch>
+            <a:fillRect/>
+          </a:stretch>
+        </p:blipFill>
+        <p:spPr>
+          <a:xfrm>
+            <a:off x="1280592" y="1882394"/>
+            <a:ext cx="7635902" cy="4351397"/>
+          </a:xfrm>
+          <a:prstGeom prst="rect">
+            <a:avLst/>
+          </a:prstGeom>
+          <a:ln>
+            <a:solidFill>
+              <a:schemeClr val="bg1">
+                <a:lumMod val="85000"/>
+              </a:schemeClr>
+            </a:solidFill>
+          </a:ln>
+        </p:spPr>
+      </p:pic>
       <p:sp>
         <p:nvSpPr>
           <p:cNvPr id="2" name="제목 1"/>
@@ -5840,8 +6314,8 @@
         </p:nvSpPr>
         <p:spPr>
           <a:xfrm>
-            <a:off x="1064568" y="1235368"/>
-            <a:ext cx="6264696" cy="553998"/>
+            <a:off x="1064567" y="1235368"/>
+            <a:ext cx="7788865" cy="503471"/>
           </a:xfrm>
           <a:prstGeom prst="rect">
             <a:avLst/>
@@ -5889,7 +6363,52 @@
                 <a:latin typeface="휴먼엑스포" panose="02030504000101010101" pitchFamily="18" charset="-127"/>
                 <a:ea typeface="휴먼엑스포" panose="02030504000101010101" pitchFamily="18" charset="-127"/>
               </a:rPr>
-              <a:t>클래스 만들기</a:t>
+              <a:t>클래스</a:t>
+            </a:r>
+            <a:r>
+              <a:rPr lang="en-US" altLang="ko-KR" sz="2000" dirty="0" smtClean="0">
+                <a:latin typeface="휴먼엑스포" panose="02030504000101010101" pitchFamily="18" charset="-127"/>
+                <a:ea typeface="휴먼엑스포" panose="02030504000101010101" pitchFamily="18" charset="-127"/>
+              </a:rPr>
+              <a:t>– </a:t>
+            </a:r>
+            <a:r>
+              <a:rPr lang="en-US" altLang="ko-KR" dirty="0" smtClean="0">
+                <a:latin typeface="휴먼엑스포" panose="02030504000101010101" pitchFamily="18" charset="-127"/>
+                <a:ea typeface="휴먼엑스포" panose="02030504000101010101" pitchFamily="18" charset="-127"/>
+              </a:rPr>
+              <a:t>Session </a:t>
+            </a:r>
+            <a:r>
+              <a:rPr lang="ko-KR" altLang="en-US" dirty="0" smtClean="0">
+                <a:latin typeface="휴먼엑스포" panose="02030504000101010101" pitchFamily="18" charset="-127"/>
+                <a:ea typeface="휴먼엑스포" panose="02030504000101010101" pitchFamily="18" charset="-127"/>
+              </a:rPr>
+              <a:t>기능을 이용</a:t>
+            </a:r>
+            <a:r>
+              <a:rPr lang="en-US" altLang="ko-KR" dirty="0" smtClean="0">
+                <a:latin typeface="휴먼엑스포" panose="02030504000101010101" pitchFamily="18" charset="-127"/>
+                <a:ea typeface="휴먼엑스포" panose="02030504000101010101" pitchFamily="18" charset="-127"/>
+              </a:rPr>
+              <a:t>(</a:t>
+            </a:r>
+            <a:r>
+              <a:rPr lang="ko-KR" altLang="en-US" dirty="0" smtClean="0">
+                <a:solidFill>
+                  <a:srgbClr val="C00000"/>
+                </a:solidFill>
+                <a:latin typeface="휴먼엑스포" panose="02030504000101010101" pitchFamily="18" charset="-127"/>
+                <a:ea typeface="휴먼엑스포" panose="02030504000101010101" pitchFamily="18" charset="-127"/>
+              </a:rPr>
+              <a:t>모델로 만들지 않음</a:t>
+            </a:r>
+            <a:r>
+              <a:rPr lang="en-US" altLang="ko-KR" dirty="0" smtClean="0">
+                <a:latin typeface="휴먼엑스포" panose="02030504000101010101" pitchFamily="18" charset="-127"/>
+                <a:ea typeface="휴먼엑스포" panose="02030504000101010101" pitchFamily="18" charset="-127"/>
+              </a:rPr>
+              <a:t>)</a:t>
             </a:r>
             <a:endParaRPr lang="en-US" altLang="ko-KR" sz="2000" dirty="0" smtClean="0">
               <a:latin typeface="휴먼엑스포" panose="02030504000101010101" pitchFamily="18" charset="-127"/>
@@ -5898,43 +6417,6 @@
           </a:p>
         </p:txBody>
       </p:sp>
-      <p:pic>
-        <p:nvPicPr>
-          <p:cNvPr id="6" name="그림 5"/>
-          <p:cNvPicPr>
-            <a:picLocks noChangeAspect="1"/>
-          </p:cNvPicPr>
-          <p:nvPr/>
-        </p:nvPicPr>
-        <p:blipFill>
-          <a:blip r:embed="rId2">
-            <a:extLst>
-              <a:ext uri="{28A0092B-C50C-407E-A947-70E740481C1C}">
-                <a14:useLocalDpi xmlns:a14="http://schemas.microsoft.com/office/drawing/2010/main" val="0"/>
-              </a:ext>
-            </a:extLst>
-          </a:blip>
-          <a:stretch>
-            <a:fillRect/>
-          </a:stretch>
-        </p:blipFill>
-        <p:spPr>
-          <a:xfrm>
-            <a:off x="1424608" y="1772816"/>
-            <a:ext cx="6624736" cy="4803271"/>
-          </a:xfrm>
-          <a:prstGeom prst="rect">
-            <a:avLst/>
-          </a:prstGeom>
-          <a:ln>
-            <a:solidFill>
-              <a:schemeClr val="bg1">
-                <a:lumMod val="85000"/>
-              </a:schemeClr>
-            </a:solidFill>
-          </a:ln>
-        </p:spPr>
-      </p:pic>
       <p:sp>
         <p:nvSpPr>
           <p:cNvPr id="10" name="TextBox 9"/>
@@ -5943,8 +6425,8 @@
         </p:nvSpPr>
         <p:spPr>
           <a:xfrm>
-            <a:off x="5529064" y="1375214"/>
-            <a:ext cx="1800200" cy="369332"/>
+            <a:off x="7587086" y="2936752"/>
+            <a:ext cx="2198235" cy="369332"/>
           </a:xfrm>
           <a:prstGeom prst="rect">
             <a:avLst/>
@@ -5958,8 +6440,12 @@
           <a:lstStyle/>
           <a:p>
             <a:r>
+              <a:rPr lang="en-US" altLang="ko-KR" dirty="0"/>
+              <a:t>c</a:t>
+            </a:r>
+            <a:r>
               <a:rPr lang="en-US" altLang="ko-KR" dirty="0" smtClean="0"/>
-              <a:t>cart/cart.py</a:t>
+              <a:t>onfig/settings.py</a:t>
             </a:r>
             <a:endParaRPr lang="ko-KR" altLang="en-US" dirty="0"/>
           </a:p>
@@ -5987,7 +6473,7 @@
         </p:blipFill>
         <p:spPr>
           <a:xfrm>
-            <a:off x="6429164" y="2204864"/>
+            <a:off x="7258221" y="3356992"/>
             <a:ext cx="2484335" cy="701101"/>
           </a:xfrm>
           <a:prstGeom prst="rect">
@@ -6002,6 +6488,36 @@
           </a:ln>
         </p:spPr>
       </p:pic>
+      <p:sp>
+        <p:nvSpPr>
+          <p:cNvPr id="8" name="TextBox 7"/>
+          <p:cNvSpPr txBox="1"/>
+          <p:nvPr/>
+        </p:nvSpPr>
+        <p:spPr>
+          <a:xfrm>
+            <a:off x="6177136" y="1912148"/>
+            <a:ext cx="1670653" cy="369332"/>
+          </a:xfrm>
+          <a:prstGeom prst="rect">
+            <a:avLst/>
+          </a:prstGeom>
+          <a:noFill/>
+        </p:spPr>
+        <p:txBody>
+          <a:bodyPr wrap="square" rtlCol="0">
+            <a:spAutoFit/>
+          </a:bodyPr>
+          <a:lstStyle/>
+          <a:p>
+            <a:r>
+              <a:rPr lang="en-US" altLang="ko-KR" dirty="0" smtClean="0"/>
+              <a:t>cart/cart.py</a:t>
+            </a:r>
+            <a:endParaRPr lang="ko-KR" altLang="en-US" dirty="0"/>
+          </a:p>
+        </p:txBody>
+      </p:sp>
     </p:spTree>
     <p:extLst>
       <p:ext uri="{BB962C8B-B14F-4D97-AF65-F5344CB8AC3E}">
@@ -6162,7 +6678,7 @@
       </p:sp>
       <p:pic>
         <p:nvPicPr>
-          <p:cNvPr id="3" name="그림 2"/>
+          <p:cNvPr id="5" name="그림 4"/>
           <p:cNvPicPr>
             <a:picLocks noChangeAspect="1"/>
           </p:cNvPicPr>
@@ -6182,8 +6698,8 @@
         </p:blipFill>
         <p:spPr>
           <a:xfrm>
-            <a:off x="1496616" y="1789366"/>
-            <a:ext cx="6768752" cy="4835705"/>
+            <a:off x="992560" y="1975446"/>
+            <a:ext cx="8253175" cy="3444538"/>
           </a:xfrm>
           <a:prstGeom prst="rect">
             <a:avLst/>
@@ -6357,7 +6873,7 @@
       </p:sp>
       <p:pic>
         <p:nvPicPr>
-          <p:cNvPr id="5" name="그림 4"/>
+          <p:cNvPr id="3" name="그림 2"/>
           <p:cNvPicPr>
             <a:picLocks noChangeAspect="1"/>
           </p:cNvPicPr>
@@ -6377,8 +6893,8 @@
         </p:blipFill>
         <p:spPr>
           <a:xfrm>
-            <a:off x="603053" y="1844824"/>
-            <a:ext cx="8884817" cy="4608513"/>
+            <a:off x="848544" y="2060848"/>
+            <a:ext cx="8436071" cy="3337849"/>
           </a:xfrm>
           <a:prstGeom prst="rect">
             <a:avLst/>
@@ -6493,7 +7009,7 @@
         <p:spPr>
           <a:xfrm>
             <a:off x="1064568" y="1235368"/>
-            <a:ext cx="6264696" cy="509178"/>
+            <a:ext cx="6264696" cy="553998"/>
           </a:xfrm>
           <a:prstGeom prst="rect">
             <a:avLst/>
@@ -6534,14 +7050,432 @@
                 <a:latin typeface="휴먼엑스포" panose="02030504000101010101" pitchFamily="18" charset="-127"/>
                 <a:ea typeface="휴먼엑스포" panose="02030504000101010101" pitchFamily="18" charset="-127"/>
               </a:rPr>
-              <a:t>cart </a:t>
+              <a:t>Cart </a:t>
             </a:r>
             <a:r>
               <a:rPr lang="ko-KR" altLang="en-US" sz="2000" dirty="0" smtClean="0">
                 <a:latin typeface="휴먼엑스포" panose="02030504000101010101" pitchFamily="18" charset="-127"/>
                 <a:ea typeface="휴먼엑스포" panose="02030504000101010101" pitchFamily="18" charset="-127"/>
               </a:rPr>
-              <a:t>폼 만들기</a:t>
+              <a:t>클래스 만들기</a:t>
+            </a:r>
+            <a:endParaRPr lang="en-US" altLang="ko-KR" sz="2000" dirty="0" smtClean="0">
+              <a:latin typeface="휴먼엑스포" panose="02030504000101010101" pitchFamily="18" charset="-127"/>
+              <a:ea typeface="휴먼엑스포" panose="02030504000101010101" pitchFamily="18" charset="-127"/>
+            </a:endParaRPr>
+          </a:p>
+        </p:txBody>
+      </p:sp>
+      <p:pic>
+        <p:nvPicPr>
+          <p:cNvPr id="5" name="그림 4"/>
+          <p:cNvPicPr>
+            <a:picLocks noChangeAspect="1"/>
+          </p:cNvPicPr>
+          <p:nvPr/>
+        </p:nvPicPr>
+        <p:blipFill>
+          <a:blip r:embed="rId2">
+            <a:extLst>
+              <a:ext uri="{28A0092B-C50C-407E-A947-70E740481C1C}">
+                <a14:useLocalDpi xmlns:a14="http://schemas.microsoft.com/office/drawing/2010/main" val="0"/>
+              </a:ext>
+            </a:extLst>
+          </a:blip>
+          <a:stretch>
+            <a:fillRect/>
+          </a:stretch>
+        </p:blipFill>
+        <p:spPr>
+          <a:xfrm>
+            <a:off x="1280592" y="1971998"/>
+            <a:ext cx="6477561" cy="3368332"/>
+          </a:xfrm>
+          <a:prstGeom prst="rect">
+            <a:avLst/>
+          </a:prstGeom>
+          <a:ln>
+            <a:solidFill>
+              <a:schemeClr val="bg1">
+                <a:lumMod val="85000"/>
+              </a:schemeClr>
+            </a:solidFill>
+          </a:ln>
+        </p:spPr>
+      </p:pic>
+    </p:spTree>
+    <p:extLst>
+      <p:ext uri="{BB962C8B-B14F-4D97-AF65-F5344CB8AC3E}">
+        <p14:creationId xmlns:p14="http://schemas.microsoft.com/office/powerpoint/2010/main" val="3513478632"/>
+      </p:ext>
+    </p:extLst>
+  </p:cSld>
+  <p:clrMapOvr>
+    <a:masterClrMapping/>
+  </p:clrMapOvr>
+  <p:timing>
+    <p:tnLst>
+      <p:par>
+        <p:cTn id="1" dur="indefinite" restart="never" nodeType="tmRoot"/>
+      </p:par>
+    </p:tnLst>
+  </p:timing>
+</p:sld>
+</file>
+
+<file path=ppt/slides/slide8.xml><?xml version="1.0" encoding="utf-8"?>
+<p:sld xmlns:a="http://schemas.openxmlformats.org/drawingml/2006/main" xmlns:r="http://schemas.openxmlformats.org/officeDocument/2006/relationships" xmlns:p="http://schemas.openxmlformats.org/presentationml/2006/main">
+  <p:cSld>
+    <p:spTree>
+      <p:nvGrpSpPr>
+        <p:cNvPr id="1" name=""/>
+        <p:cNvGrpSpPr/>
+        <p:nvPr/>
+      </p:nvGrpSpPr>
+      <p:grpSpPr>
+        <a:xfrm>
+          <a:off x="0" y="0"/>
+          <a:ext cx="0" cy="0"/>
+          <a:chOff x="0" y="0"/>
+          <a:chExt cx="0" cy="0"/>
+        </a:xfrm>
+      </p:grpSpPr>
+      <p:sp>
+        <p:nvSpPr>
+          <p:cNvPr id="2" name="제목 1"/>
+          <p:cNvSpPr>
+            <a:spLocks noGrp="1"/>
+          </p:cNvSpPr>
+          <p:nvPr>
+            <p:ph type="title"/>
+          </p:nvPr>
+        </p:nvSpPr>
+        <p:spPr/>
+        <p:txBody>
+          <a:bodyPr/>
+          <a:lstStyle/>
+          <a:p>
+            <a:pPr marL="342900" indent="-342900">
+              <a:lnSpc>
+                <a:spcPct val="150000"/>
+              </a:lnSpc>
+            </a:pPr>
+            <a:r>
+              <a:rPr lang="en-US" altLang="ko-KR" dirty="0"/>
+              <a:t> cart </a:t>
+            </a:r>
+            <a:r>
+              <a:rPr lang="ko-KR" altLang="en-US" dirty="0" smtClean="0"/>
+              <a:t>앱 만들기</a:t>
+            </a:r>
+            <a:endParaRPr lang="en-US" altLang="ko-KR" dirty="0"/>
+          </a:p>
+        </p:txBody>
+      </p:sp>
+      <p:sp>
+        <p:nvSpPr>
+          <p:cNvPr id="4" name="슬라이드 번호 개체 틀 3"/>
+          <p:cNvSpPr>
+            <a:spLocks noGrp="1"/>
+          </p:cNvSpPr>
+          <p:nvPr>
+            <p:ph type="sldNum" sz="quarter" idx="12"/>
+          </p:nvPr>
+        </p:nvSpPr>
+        <p:spPr/>
+        <p:txBody>
+          <a:bodyPr/>
+          <a:lstStyle/>
+          <a:p>
+            <a:fld id="{1BDE3FE7-3AEA-4B05-AC5A-802D1816ACF0}" type="slidenum">
+              <a:rPr lang="ko-KR" altLang="en-US" smtClean="0"/>
+              <a:t>8</a:t>
+            </a:fld>
+            <a:endParaRPr lang="ko-KR" altLang="en-US"/>
+          </a:p>
+        </p:txBody>
+      </p:sp>
+      <p:sp>
+        <p:nvSpPr>
+          <p:cNvPr id="14" name="TextBox 13"/>
+          <p:cNvSpPr txBox="1"/>
+          <p:nvPr/>
+        </p:nvSpPr>
+        <p:spPr>
+          <a:xfrm>
+            <a:off x="1064568" y="1235368"/>
+            <a:ext cx="6264696" cy="553998"/>
+          </a:xfrm>
+          <a:prstGeom prst="rect">
+            <a:avLst/>
+          </a:prstGeom>
+          <a:ln>
+            <a:noFill/>
+          </a:ln>
+        </p:spPr>
+        <p:style>
+          <a:lnRef idx="2">
+            <a:schemeClr val="dk1"/>
+          </a:lnRef>
+          <a:fillRef idx="1">
+            <a:schemeClr val="lt1"/>
+          </a:fillRef>
+          <a:effectRef idx="0">
+            <a:schemeClr val="dk1"/>
+          </a:effectRef>
+          <a:fontRef idx="minor">
+            <a:schemeClr val="dk1"/>
+          </a:fontRef>
+        </p:style>
+        <p:txBody>
+          <a:bodyPr wrap="square" rtlCol="0">
+            <a:spAutoFit/>
+          </a:bodyPr>
+          <a:lstStyle/>
+          <a:p>
+            <a:pPr marL="342900" indent="-342900">
+              <a:lnSpc>
+                <a:spcPct val="150000"/>
+              </a:lnSpc>
+              <a:buFont typeface="Wingdings" panose="05000000000000000000" pitchFamily="2" charset="2"/>
+              <a:buChar char="§"/>
+            </a:pPr>
+            <a:r>
+              <a:rPr lang="en-US" altLang="ko-KR" sz="2000" dirty="0" smtClean="0">
+                <a:latin typeface="휴먼엑스포" panose="02030504000101010101" pitchFamily="18" charset="-127"/>
+                <a:ea typeface="휴먼엑스포" panose="02030504000101010101" pitchFamily="18" charset="-127"/>
+              </a:rPr>
+              <a:t>Cart </a:t>
+            </a:r>
+            <a:r>
+              <a:rPr lang="ko-KR" altLang="en-US" sz="2000" dirty="0" smtClean="0">
+                <a:latin typeface="휴먼엑스포" panose="02030504000101010101" pitchFamily="18" charset="-127"/>
+                <a:ea typeface="휴먼엑스포" panose="02030504000101010101" pitchFamily="18" charset="-127"/>
+              </a:rPr>
+              <a:t>클래스 만들기</a:t>
+            </a:r>
+            <a:endParaRPr lang="en-US" altLang="ko-KR" sz="2000" dirty="0" smtClean="0">
+              <a:latin typeface="휴먼엑스포" panose="02030504000101010101" pitchFamily="18" charset="-127"/>
+              <a:ea typeface="휴먼엑스포" panose="02030504000101010101" pitchFamily="18" charset="-127"/>
+            </a:endParaRPr>
+          </a:p>
+        </p:txBody>
+      </p:sp>
+      <p:pic>
+        <p:nvPicPr>
+          <p:cNvPr id="3" name="그림 2"/>
+          <p:cNvPicPr>
+            <a:picLocks noChangeAspect="1"/>
+          </p:cNvPicPr>
+          <p:nvPr/>
+        </p:nvPicPr>
+        <p:blipFill>
+          <a:blip r:embed="rId2">
+            <a:extLst>
+              <a:ext uri="{28A0092B-C50C-407E-A947-70E740481C1C}">
+                <a14:useLocalDpi xmlns:a14="http://schemas.microsoft.com/office/drawing/2010/main" val="0"/>
+              </a:ext>
+            </a:extLst>
+          </a:blip>
+          <a:stretch>
+            <a:fillRect/>
+          </a:stretch>
+        </p:blipFill>
+        <p:spPr>
+          <a:xfrm>
+            <a:off x="1424608" y="1971998"/>
+            <a:ext cx="6523285" cy="3330229"/>
+          </a:xfrm>
+          <a:prstGeom prst="rect">
+            <a:avLst/>
+          </a:prstGeom>
+          <a:ln>
+            <a:solidFill>
+              <a:schemeClr val="bg1">
+                <a:lumMod val="85000"/>
+              </a:schemeClr>
+            </a:solidFill>
+          </a:ln>
+        </p:spPr>
+      </p:pic>
+    </p:spTree>
+    <p:extLst>
+      <p:ext uri="{BB962C8B-B14F-4D97-AF65-F5344CB8AC3E}">
+        <p14:creationId xmlns:p14="http://schemas.microsoft.com/office/powerpoint/2010/main" val="3124346457"/>
+      </p:ext>
+    </p:extLst>
+  </p:cSld>
+  <p:clrMapOvr>
+    <a:masterClrMapping/>
+  </p:clrMapOvr>
+  <p:timing>
+    <p:tnLst>
+      <p:par>
+        <p:cTn id="1" dur="indefinite" restart="never" nodeType="tmRoot"/>
+      </p:par>
+    </p:tnLst>
+  </p:timing>
+</p:sld>
+</file>
+
+<file path=ppt/slides/slide9.xml><?xml version="1.0" encoding="utf-8"?>
+<p:sld xmlns:a="http://schemas.openxmlformats.org/drawingml/2006/main" xmlns:r="http://schemas.openxmlformats.org/officeDocument/2006/relationships" xmlns:p="http://schemas.openxmlformats.org/presentationml/2006/main">
+  <p:cSld>
+    <p:spTree>
+      <p:nvGrpSpPr>
+        <p:cNvPr id="1" name=""/>
+        <p:cNvGrpSpPr/>
+        <p:nvPr/>
+      </p:nvGrpSpPr>
+      <p:grpSpPr>
+        <a:xfrm>
+          <a:off x="0" y="0"/>
+          <a:ext cx="0" cy="0"/>
+          <a:chOff x="0" y="0"/>
+          <a:chExt cx="0" cy="0"/>
+        </a:xfrm>
+      </p:grpSpPr>
+      <p:sp>
+        <p:nvSpPr>
+          <p:cNvPr id="2" name="제목 1"/>
+          <p:cNvSpPr>
+            <a:spLocks noGrp="1"/>
+          </p:cNvSpPr>
+          <p:nvPr>
+            <p:ph type="title"/>
+          </p:nvPr>
+        </p:nvSpPr>
+        <p:spPr/>
+        <p:txBody>
+          <a:bodyPr/>
+          <a:lstStyle/>
+          <a:p>
+            <a:pPr marL="342900" indent="-342900">
+              <a:lnSpc>
+                <a:spcPct val="150000"/>
+              </a:lnSpc>
+            </a:pPr>
+            <a:r>
+              <a:rPr lang="en-US" altLang="ko-KR" dirty="0"/>
+              <a:t> cart </a:t>
+            </a:r>
+            <a:r>
+              <a:rPr lang="ko-KR" altLang="en-US" dirty="0" smtClean="0"/>
+              <a:t>앱 만들기</a:t>
+            </a:r>
+            <a:endParaRPr lang="en-US" altLang="ko-KR" dirty="0"/>
+          </a:p>
+        </p:txBody>
+      </p:sp>
+      <p:sp>
+        <p:nvSpPr>
+          <p:cNvPr id="4" name="슬라이드 번호 개체 틀 3"/>
+          <p:cNvSpPr>
+            <a:spLocks noGrp="1"/>
+          </p:cNvSpPr>
+          <p:nvPr>
+            <p:ph type="sldNum" sz="quarter" idx="12"/>
+          </p:nvPr>
+        </p:nvSpPr>
+        <p:spPr/>
+        <p:txBody>
+          <a:bodyPr/>
+          <a:lstStyle/>
+          <a:p>
+            <a:fld id="{1BDE3FE7-3AEA-4B05-AC5A-802D1816ACF0}" type="slidenum">
+              <a:rPr lang="ko-KR" altLang="en-US" smtClean="0"/>
+              <a:t>9</a:t>
+            </a:fld>
+            <a:endParaRPr lang="ko-KR" altLang="en-US"/>
+          </a:p>
+        </p:txBody>
+      </p:sp>
+      <p:sp>
+        <p:nvSpPr>
+          <p:cNvPr id="14" name="TextBox 13"/>
+          <p:cNvSpPr txBox="1"/>
+          <p:nvPr/>
+        </p:nvSpPr>
+        <p:spPr>
+          <a:xfrm>
+            <a:off x="1064568" y="1235368"/>
+            <a:ext cx="6264696" cy="553998"/>
+          </a:xfrm>
+          <a:prstGeom prst="rect">
+            <a:avLst/>
+          </a:prstGeom>
+          <a:ln>
+            <a:noFill/>
+          </a:ln>
+        </p:spPr>
+        <p:style>
+          <a:lnRef idx="2">
+            <a:schemeClr val="dk1"/>
+          </a:lnRef>
+          <a:fillRef idx="1">
+            <a:schemeClr val="lt1"/>
+          </a:fillRef>
+          <a:effectRef idx="0">
+            <a:schemeClr val="dk1"/>
+          </a:effectRef>
+          <a:fontRef idx="minor">
+            <a:schemeClr val="dk1"/>
+          </a:fontRef>
+        </p:style>
+        <p:txBody>
+          <a:bodyPr wrap="square" rtlCol="0">
+            <a:spAutoFit/>
+          </a:bodyPr>
+          <a:lstStyle/>
+          <a:p>
+            <a:pPr marL="342900" indent="-342900">
+              <a:lnSpc>
+                <a:spcPct val="150000"/>
+              </a:lnSpc>
+              <a:buFont typeface="Wingdings" panose="05000000000000000000" pitchFamily="2" charset="2"/>
+              <a:buChar char="§"/>
+            </a:pPr>
+            <a:r>
+              <a:rPr lang="en-US" altLang="ko-KR" sz="2000" dirty="0" smtClean="0">
+                <a:latin typeface="휴먼엑스포" panose="02030504000101010101" pitchFamily="18" charset="-127"/>
+                <a:ea typeface="휴먼엑스포" panose="02030504000101010101" pitchFamily="18" charset="-127"/>
+              </a:rPr>
+              <a:t>cart </a:t>
+            </a:r>
+            <a:r>
+              <a:rPr lang="ko-KR" altLang="en-US" sz="2000" dirty="0" smtClean="0">
+                <a:latin typeface="휴먼엑스포" panose="02030504000101010101" pitchFamily="18" charset="-127"/>
+                <a:ea typeface="휴먼엑스포" panose="02030504000101010101" pitchFamily="18" charset="-127"/>
+              </a:rPr>
+              <a:t>폼 </a:t>
+            </a:r>
+            <a:r>
+              <a:rPr lang="en-US" altLang="ko-KR" sz="2000" dirty="0" smtClean="0">
+                <a:latin typeface="휴먼엑스포" panose="02030504000101010101" pitchFamily="18" charset="-127"/>
+                <a:ea typeface="휴먼엑스포" panose="02030504000101010101" pitchFamily="18" charset="-127"/>
+              </a:rPr>
+              <a:t>– </a:t>
+            </a:r>
+            <a:r>
+              <a:rPr lang="en-US" altLang="ko-KR" sz="2000" dirty="0" err="1" smtClean="0">
+                <a:latin typeface="휴먼엑스포" panose="02030504000101010101" pitchFamily="18" charset="-127"/>
+                <a:ea typeface="휴먼엑스포" panose="02030504000101010101" pitchFamily="18" charset="-127"/>
+              </a:rPr>
+              <a:t>AddProductForm</a:t>
+            </a:r>
+            <a:r>
+              <a:rPr lang="en-US" altLang="ko-KR" sz="2000" dirty="0" smtClean="0">
+                <a:latin typeface="휴먼엑스포" panose="02030504000101010101" pitchFamily="18" charset="-127"/>
+                <a:ea typeface="휴먼엑스포" panose="02030504000101010101" pitchFamily="18" charset="-127"/>
+              </a:rPr>
+              <a:t> </a:t>
+            </a:r>
+            <a:r>
+              <a:rPr lang="ko-KR" altLang="en-US" sz="2000" dirty="0" smtClean="0">
+                <a:latin typeface="휴먼엑스포" panose="02030504000101010101" pitchFamily="18" charset="-127"/>
+                <a:ea typeface="휴먼엑스포" panose="02030504000101010101" pitchFamily="18" charset="-127"/>
+              </a:rPr>
+              <a:t>만들기</a:t>
             </a:r>
             <a:endParaRPr lang="en-US" altLang="ko-KR" sz="2000" dirty="0" smtClean="0">
               <a:latin typeface="휴먼엑스포" panose="02030504000101010101" pitchFamily="18" charset="-127"/>
@@ -6591,449 +7525,6 @@
     <p:extLst>
       <p:ext uri="{BB962C8B-B14F-4D97-AF65-F5344CB8AC3E}">
         <p14:creationId xmlns:p14="http://schemas.microsoft.com/office/powerpoint/2010/main" val="1058653843"/>
-      </p:ext>
-    </p:extLst>
-  </p:cSld>
-  <p:clrMapOvr>
-    <a:masterClrMapping/>
-  </p:clrMapOvr>
-  <p:timing>
-    <p:tnLst>
-      <p:par>
-        <p:cTn id="1" dur="indefinite" restart="never" nodeType="tmRoot"/>
-      </p:par>
-    </p:tnLst>
-  </p:timing>
-</p:sld>
-</file>
-
-<file path=ppt/slides/slide8.xml><?xml version="1.0" encoding="utf-8"?>
-<p:sld xmlns:a="http://schemas.openxmlformats.org/drawingml/2006/main" xmlns:r="http://schemas.openxmlformats.org/officeDocument/2006/relationships" xmlns:p="http://schemas.openxmlformats.org/presentationml/2006/main">
-  <p:cSld>
-    <p:spTree>
-      <p:nvGrpSpPr>
-        <p:cNvPr id="1" name=""/>
-        <p:cNvGrpSpPr/>
-        <p:nvPr/>
-      </p:nvGrpSpPr>
-      <p:grpSpPr>
-        <a:xfrm>
-          <a:off x="0" y="0"/>
-          <a:ext cx="0" cy="0"/>
-          <a:chOff x="0" y="0"/>
-          <a:chExt cx="0" cy="0"/>
-        </a:xfrm>
-      </p:grpSpPr>
-      <p:sp>
-        <p:nvSpPr>
-          <p:cNvPr id="2" name="제목 1"/>
-          <p:cNvSpPr>
-            <a:spLocks noGrp="1"/>
-          </p:cNvSpPr>
-          <p:nvPr>
-            <p:ph type="title"/>
-          </p:nvPr>
-        </p:nvSpPr>
-        <p:spPr/>
-        <p:txBody>
-          <a:bodyPr/>
-          <a:lstStyle/>
-          <a:p>
-            <a:pPr marL="342900" indent="-342900">
-              <a:lnSpc>
-                <a:spcPct val="150000"/>
-              </a:lnSpc>
-            </a:pPr>
-            <a:r>
-              <a:rPr lang="en-US" altLang="ko-KR" dirty="0"/>
-              <a:t> cart </a:t>
-            </a:r>
-            <a:r>
-              <a:rPr lang="ko-KR" altLang="en-US" dirty="0" smtClean="0"/>
-              <a:t>앱 만들기</a:t>
-            </a:r>
-            <a:endParaRPr lang="en-US" altLang="ko-KR" dirty="0"/>
-          </a:p>
-        </p:txBody>
-      </p:sp>
-      <p:sp>
-        <p:nvSpPr>
-          <p:cNvPr id="4" name="슬라이드 번호 개체 틀 3"/>
-          <p:cNvSpPr>
-            <a:spLocks noGrp="1"/>
-          </p:cNvSpPr>
-          <p:nvPr>
-            <p:ph type="sldNum" sz="quarter" idx="12"/>
-          </p:nvPr>
-        </p:nvSpPr>
-        <p:spPr/>
-        <p:txBody>
-          <a:bodyPr/>
-          <a:lstStyle/>
-          <a:p>
-            <a:fld id="{1BDE3FE7-3AEA-4B05-AC5A-802D1816ACF0}" type="slidenum">
-              <a:rPr lang="ko-KR" altLang="en-US" smtClean="0"/>
-              <a:t>8</a:t>
-            </a:fld>
-            <a:endParaRPr lang="ko-KR" altLang="en-US"/>
-          </a:p>
-        </p:txBody>
-      </p:sp>
-      <p:sp>
-        <p:nvSpPr>
-          <p:cNvPr id="14" name="TextBox 13"/>
-          <p:cNvSpPr txBox="1"/>
-          <p:nvPr/>
-        </p:nvSpPr>
-        <p:spPr>
-          <a:xfrm>
-            <a:off x="1064568" y="1235368"/>
-            <a:ext cx="6264696" cy="509178"/>
-          </a:xfrm>
-          <a:prstGeom prst="rect">
-            <a:avLst/>
-          </a:prstGeom>
-          <a:ln>
-            <a:noFill/>
-          </a:ln>
-        </p:spPr>
-        <p:style>
-          <a:lnRef idx="2">
-            <a:schemeClr val="dk1"/>
-          </a:lnRef>
-          <a:fillRef idx="1">
-            <a:schemeClr val="lt1"/>
-          </a:fillRef>
-          <a:effectRef idx="0">
-            <a:schemeClr val="dk1"/>
-          </a:effectRef>
-          <a:fontRef idx="minor">
-            <a:schemeClr val="dk1"/>
-          </a:fontRef>
-        </p:style>
-        <p:txBody>
-          <a:bodyPr wrap="square" rtlCol="0">
-            <a:spAutoFit/>
-          </a:bodyPr>
-          <a:lstStyle/>
-          <a:p>
-            <a:pPr marL="342900" indent="-342900">
-              <a:lnSpc>
-                <a:spcPct val="150000"/>
-              </a:lnSpc>
-              <a:buFont typeface="Wingdings" panose="05000000000000000000" pitchFamily="2" charset="2"/>
-              <a:buChar char="§"/>
-            </a:pPr>
-            <a:r>
-              <a:rPr lang="en-US" altLang="ko-KR" sz="2000" dirty="0" smtClean="0">
-                <a:latin typeface="휴먼엑스포" panose="02030504000101010101" pitchFamily="18" charset="-127"/>
-                <a:ea typeface="휴먼엑스포" panose="02030504000101010101" pitchFamily="18" charset="-127"/>
-              </a:rPr>
-              <a:t>URL </a:t>
-            </a:r>
-            <a:r>
-              <a:rPr lang="ko-KR" altLang="en-US" sz="2000" dirty="0" smtClean="0">
-                <a:latin typeface="휴먼엑스포" panose="02030504000101010101" pitchFamily="18" charset="-127"/>
-                <a:ea typeface="휴먼엑스포" panose="02030504000101010101" pitchFamily="18" charset="-127"/>
-              </a:rPr>
-              <a:t>연결</a:t>
-            </a:r>
-            <a:endParaRPr lang="en-US" altLang="ko-KR" sz="2000" dirty="0" smtClean="0">
-              <a:latin typeface="휴먼엑스포" panose="02030504000101010101" pitchFamily="18" charset="-127"/>
-              <a:ea typeface="휴먼엑스포" panose="02030504000101010101" pitchFamily="18" charset="-127"/>
-            </a:endParaRPr>
-          </a:p>
-        </p:txBody>
-      </p:sp>
-      <p:sp>
-        <p:nvSpPr>
-          <p:cNvPr id="6" name="TextBox 5"/>
-          <p:cNvSpPr txBox="1"/>
-          <p:nvPr/>
-        </p:nvSpPr>
-        <p:spPr>
-          <a:xfrm>
-            <a:off x="5529064" y="1375214"/>
-            <a:ext cx="1347677" cy="369332"/>
-          </a:xfrm>
-          <a:prstGeom prst="rect">
-            <a:avLst/>
-          </a:prstGeom>
-          <a:noFill/>
-        </p:spPr>
-        <p:txBody>
-          <a:bodyPr wrap="none" rtlCol="0">
-            <a:spAutoFit/>
-          </a:bodyPr>
-          <a:lstStyle/>
-          <a:p>
-            <a:r>
-              <a:rPr lang="en-US" altLang="ko-KR" dirty="0" smtClean="0"/>
-              <a:t>cart/urls.py</a:t>
-            </a:r>
-            <a:endParaRPr lang="ko-KR" altLang="en-US" dirty="0"/>
-          </a:p>
-        </p:txBody>
-      </p:sp>
-      <p:pic>
-        <p:nvPicPr>
-          <p:cNvPr id="7" name="그림 6"/>
-          <p:cNvPicPr>
-            <a:picLocks noChangeAspect="1"/>
-          </p:cNvPicPr>
-          <p:nvPr/>
-        </p:nvPicPr>
-        <p:blipFill>
-          <a:blip r:embed="rId2">
-            <a:extLst>
-              <a:ext uri="{28A0092B-C50C-407E-A947-70E740481C1C}">
-                <a14:useLocalDpi xmlns:a14="http://schemas.microsoft.com/office/drawing/2010/main" val="0"/>
-              </a:ext>
-            </a:extLst>
-          </a:blip>
-          <a:stretch>
-            <a:fillRect/>
-          </a:stretch>
-        </p:blipFill>
-        <p:spPr>
-          <a:xfrm>
-            <a:off x="1424608" y="1988840"/>
-            <a:ext cx="6294665" cy="2705334"/>
-          </a:xfrm>
-          <a:prstGeom prst="rect">
-            <a:avLst/>
-          </a:prstGeom>
-          <a:ln>
-            <a:solidFill>
-              <a:schemeClr val="bg1">
-                <a:lumMod val="85000"/>
-              </a:schemeClr>
-            </a:solidFill>
-          </a:ln>
-        </p:spPr>
-      </p:pic>
-    </p:spTree>
-    <p:extLst>
-      <p:ext uri="{BB962C8B-B14F-4D97-AF65-F5344CB8AC3E}">
-        <p14:creationId xmlns:p14="http://schemas.microsoft.com/office/powerpoint/2010/main" val="2713534555"/>
-      </p:ext>
-    </p:extLst>
-  </p:cSld>
-  <p:clrMapOvr>
-    <a:masterClrMapping/>
-  </p:clrMapOvr>
-  <p:timing>
-    <p:tnLst>
-      <p:par>
-        <p:cTn id="1" dur="indefinite" restart="never" nodeType="tmRoot"/>
-      </p:par>
-    </p:tnLst>
-  </p:timing>
-</p:sld>
-</file>
-
-<file path=ppt/slides/slide9.xml><?xml version="1.0" encoding="utf-8"?>
-<p:sld xmlns:a="http://schemas.openxmlformats.org/drawingml/2006/main" xmlns:r="http://schemas.openxmlformats.org/officeDocument/2006/relationships" xmlns:p="http://schemas.openxmlformats.org/presentationml/2006/main">
-  <p:cSld>
-    <p:spTree>
-      <p:nvGrpSpPr>
-        <p:cNvPr id="1" name=""/>
-        <p:cNvGrpSpPr/>
-        <p:nvPr/>
-      </p:nvGrpSpPr>
-      <p:grpSpPr>
-        <a:xfrm>
-          <a:off x="0" y="0"/>
-          <a:ext cx="0" cy="0"/>
-          <a:chOff x="0" y="0"/>
-          <a:chExt cx="0" cy="0"/>
-        </a:xfrm>
-      </p:grpSpPr>
-      <p:sp>
-        <p:nvSpPr>
-          <p:cNvPr id="2" name="제목 1"/>
-          <p:cNvSpPr>
-            <a:spLocks noGrp="1"/>
-          </p:cNvSpPr>
-          <p:nvPr>
-            <p:ph type="title"/>
-          </p:nvPr>
-        </p:nvSpPr>
-        <p:spPr/>
-        <p:txBody>
-          <a:bodyPr/>
-          <a:lstStyle/>
-          <a:p>
-            <a:pPr marL="342900" indent="-342900">
-              <a:lnSpc>
-                <a:spcPct val="150000"/>
-              </a:lnSpc>
-            </a:pPr>
-            <a:r>
-              <a:rPr lang="en-US" altLang="ko-KR" dirty="0"/>
-              <a:t> cart </a:t>
-            </a:r>
-            <a:r>
-              <a:rPr lang="ko-KR" altLang="en-US" dirty="0" smtClean="0"/>
-              <a:t>앱 만들기</a:t>
-            </a:r>
-            <a:endParaRPr lang="en-US" altLang="ko-KR" dirty="0"/>
-          </a:p>
-        </p:txBody>
-      </p:sp>
-      <p:sp>
-        <p:nvSpPr>
-          <p:cNvPr id="4" name="슬라이드 번호 개체 틀 3"/>
-          <p:cNvSpPr>
-            <a:spLocks noGrp="1"/>
-          </p:cNvSpPr>
-          <p:nvPr>
-            <p:ph type="sldNum" sz="quarter" idx="12"/>
-          </p:nvPr>
-        </p:nvSpPr>
-        <p:spPr/>
-        <p:txBody>
-          <a:bodyPr/>
-          <a:lstStyle/>
-          <a:p>
-            <a:fld id="{1BDE3FE7-3AEA-4B05-AC5A-802D1816ACF0}" type="slidenum">
-              <a:rPr lang="ko-KR" altLang="en-US" smtClean="0"/>
-              <a:t>9</a:t>
-            </a:fld>
-            <a:endParaRPr lang="ko-KR" altLang="en-US"/>
-          </a:p>
-        </p:txBody>
-      </p:sp>
-      <p:sp>
-        <p:nvSpPr>
-          <p:cNvPr id="14" name="TextBox 13"/>
-          <p:cNvSpPr txBox="1"/>
-          <p:nvPr/>
-        </p:nvSpPr>
-        <p:spPr>
-          <a:xfrm>
-            <a:off x="1064568" y="1235368"/>
-            <a:ext cx="6264696" cy="509178"/>
-          </a:xfrm>
-          <a:prstGeom prst="rect">
-            <a:avLst/>
-          </a:prstGeom>
-          <a:ln>
-            <a:noFill/>
-          </a:ln>
-        </p:spPr>
-        <p:style>
-          <a:lnRef idx="2">
-            <a:schemeClr val="dk1"/>
-          </a:lnRef>
-          <a:fillRef idx="1">
-            <a:schemeClr val="lt1"/>
-          </a:fillRef>
-          <a:effectRef idx="0">
-            <a:schemeClr val="dk1"/>
-          </a:effectRef>
-          <a:fontRef idx="minor">
-            <a:schemeClr val="dk1"/>
-          </a:fontRef>
-        </p:style>
-        <p:txBody>
-          <a:bodyPr wrap="square" rtlCol="0">
-            <a:spAutoFit/>
-          </a:bodyPr>
-          <a:lstStyle/>
-          <a:p>
-            <a:pPr marL="342900" indent="-342900">
-              <a:lnSpc>
-                <a:spcPct val="150000"/>
-              </a:lnSpc>
-              <a:buFont typeface="Wingdings" panose="05000000000000000000" pitchFamily="2" charset="2"/>
-              <a:buChar char="§"/>
-            </a:pPr>
-            <a:r>
-              <a:rPr lang="ko-KR" altLang="en-US" sz="2000" dirty="0" smtClean="0">
-                <a:latin typeface="휴먼엑스포" panose="02030504000101010101" pitchFamily="18" charset="-127"/>
-                <a:ea typeface="휴먼엑스포" panose="02030504000101010101" pitchFamily="18" charset="-127"/>
-              </a:rPr>
-              <a:t>뷰 만들기</a:t>
-            </a:r>
-            <a:endParaRPr lang="en-US" altLang="ko-KR" sz="2000" dirty="0" smtClean="0">
-              <a:latin typeface="휴먼엑스포" panose="02030504000101010101" pitchFamily="18" charset="-127"/>
-              <a:ea typeface="휴먼엑스포" panose="02030504000101010101" pitchFamily="18" charset="-127"/>
-            </a:endParaRPr>
-          </a:p>
-        </p:txBody>
-      </p:sp>
-      <p:sp>
-        <p:nvSpPr>
-          <p:cNvPr id="6" name="TextBox 5"/>
-          <p:cNvSpPr txBox="1"/>
-          <p:nvPr/>
-        </p:nvSpPr>
-        <p:spPr>
-          <a:xfrm>
-            <a:off x="5529064" y="1375214"/>
-            <a:ext cx="1538434" cy="369332"/>
-          </a:xfrm>
-          <a:prstGeom prst="rect">
-            <a:avLst/>
-          </a:prstGeom>
-          <a:noFill/>
-        </p:spPr>
-        <p:txBody>
-          <a:bodyPr wrap="none" rtlCol="0">
-            <a:spAutoFit/>
-          </a:bodyPr>
-          <a:lstStyle/>
-          <a:p>
-            <a:r>
-              <a:rPr lang="en-US" altLang="ko-KR" dirty="0" smtClean="0"/>
-              <a:t>cart/views.py</a:t>
-            </a:r>
-            <a:endParaRPr lang="ko-KR" altLang="en-US" dirty="0"/>
-          </a:p>
-        </p:txBody>
-      </p:sp>
-      <p:pic>
-        <p:nvPicPr>
-          <p:cNvPr id="7" name="그림 6"/>
-          <p:cNvPicPr>
-            <a:picLocks noChangeAspect="1"/>
-          </p:cNvPicPr>
-          <p:nvPr/>
-        </p:nvPicPr>
-        <p:blipFill>
-          <a:blip r:embed="rId2">
-            <a:extLst>
-              <a:ext uri="{28A0092B-C50C-407E-A947-70E740481C1C}">
-                <a14:useLocalDpi xmlns:a14="http://schemas.microsoft.com/office/drawing/2010/main" val="0"/>
-              </a:ext>
-            </a:extLst>
-          </a:blip>
-          <a:stretch>
-            <a:fillRect/>
-          </a:stretch>
-        </p:blipFill>
-        <p:spPr>
-          <a:xfrm>
-            <a:off x="1352600" y="1942797"/>
-            <a:ext cx="6911939" cy="4198984"/>
-          </a:xfrm>
-          <a:prstGeom prst="rect">
-            <a:avLst/>
-          </a:prstGeom>
-          <a:ln>
-            <a:solidFill>
-              <a:schemeClr val="bg1">
-                <a:lumMod val="85000"/>
-              </a:schemeClr>
-            </a:solidFill>
-          </a:ln>
-        </p:spPr>
-      </p:pic>
-    </p:spTree>
-    <p:extLst>
-      <p:ext uri="{BB962C8B-B14F-4D97-AF65-F5344CB8AC3E}">
-        <p14:creationId xmlns:p14="http://schemas.microsoft.com/office/powerpoint/2010/main" val="1150977210"/>
       </p:ext>
     </p:extLst>
   </p:cSld>
